--- a/Team_4.pptx
+++ b/Team_4.pptx
@@ -226,7 +226,7 @@
             <a:fld id="{65771C21-3757-4199-83DE-22960358A2A5}" type="datetimeFigureOut">
               <a:rPr lang="ko-KR" altLang="en-US" smtClean="0"/>
               <a:pPr/>
-              <a:t>2018-09-25</a:t>
+              <a:t>2018-09-27</a:t>
             </a:fld>
             <a:endParaRPr lang="ko-KR" altLang="en-US"/>
           </a:p>
@@ -1669,7 +1669,7 @@
             <a:fld id="{A22FE722-38C7-4231-8BB5-7A27D4E5977D}" type="datetimeFigureOut">
               <a:rPr lang="ko-KR" altLang="en-US" smtClean="0"/>
               <a:pPr/>
-              <a:t>2018-09-25</a:t>
+              <a:t>2018-09-27</a:t>
             </a:fld>
             <a:endParaRPr lang="ko-KR" altLang="en-US"/>
           </a:p>
@@ -1834,7 +1834,7 @@
             <a:fld id="{A22FE722-38C7-4231-8BB5-7A27D4E5977D}" type="datetimeFigureOut">
               <a:rPr lang="ko-KR" altLang="en-US" smtClean="0"/>
               <a:pPr/>
-              <a:t>2018-09-25</a:t>
+              <a:t>2018-09-27</a:t>
             </a:fld>
             <a:endParaRPr lang="ko-KR" altLang="en-US"/>
           </a:p>
@@ -2009,7 +2009,7 @@
             <a:fld id="{A22FE722-38C7-4231-8BB5-7A27D4E5977D}" type="datetimeFigureOut">
               <a:rPr lang="ko-KR" altLang="en-US" smtClean="0"/>
               <a:pPr/>
-              <a:t>2018-09-25</a:t>
+              <a:t>2018-09-27</a:t>
             </a:fld>
             <a:endParaRPr lang="ko-KR" altLang="en-US"/>
           </a:p>
@@ -2174,7 +2174,7 @@
             <a:fld id="{A22FE722-38C7-4231-8BB5-7A27D4E5977D}" type="datetimeFigureOut">
               <a:rPr lang="ko-KR" altLang="en-US" smtClean="0"/>
               <a:pPr/>
-              <a:t>2018-09-25</a:t>
+              <a:t>2018-09-27</a:t>
             </a:fld>
             <a:endParaRPr lang="ko-KR" altLang="en-US"/>
           </a:p>
@@ -2416,7 +2416,7 @@
             <a:fld id="{A22FE722-38C7-4231-8BB5-7A27D4E5977D}" type="datetimeFigureOut">
               <a:rPr lang="ko-KR" altLang="en-US" smtClean="0"/>
               <a:pPr/>
-              <a:t>2018-09-25</a:t>
+              <a:t>2018-09-27</a:t>
             </a:fld>
             <a:endParaRPr lang="ko-KR" altLang="en-US"/>
           </a:p>
@@ -2698,7 +2698,7 @@
             <a:fld id="{A22FE722-38C7-4231-8BB5-7A27D4E5977D}" type="datetimeFigureOut">
               <a:rPr lang="ko-KR" altLang="en-US" smtClean="0"/>
               <a:pPr/>
-              <a:t>2018-09-25</a:t>
+              <a:t>2018-09-27</a:t>
             </a:fld>
             <a:endParaRPr lang="ko-KR" altLang="en-US"/>
           </a:p>
@@ -3114,7 +3114,7 @@
             <a:fld id="{A22FE722-38C7-4231-8BB5-7A27D4E5977D}" type="datetimeFigureOut">
               <a:rPr lang="ko-KR" altLang="en-US" smtClean="0"/>
               <a:pPr/>
-              <a:t>2018-09-25</a:t>
+              <a:t>2018-09-27</a:t>
             </a:fld>
             <a:endParaRPr lang="ko-KR" altLang="en-US"/>
           </a:p>
@@ -3228,7 +3228,7 @@
             <a:fld id="{A22FE722-38C7-4231-8BB5-7A27D4E5977D}" type="datetimeFigureOut">
               <a:rPr lang="ko-KR" altLang="en-US" smtClean="0"/>
               <a:pPr/>
-              <a:t>2018-09-25</a:t>
+              <a:t>2018-09-27</a:t>
             </a:fld>
             <a:endParaRPr lang="ko-KR" altLang="en-US"/>
           </a:p>
@@ -3320,7 +3320,7 @@
             <a:fld id="{A22FE722-38C7-4231-8BB5-7A27D4E5977D}" type="datetimeFigureOut">
               <a:rPr lang="ko-KR" altLang="en-US" smtClean="0"/>
               <a:pPr/>
-              <a:t>2018-09-25</a:t>
+              <a:t>2018-09-27</a:t>
             </a:fld>
             <a:endParaRPr lang="ko-KR" altLang="en-US"/>
           </a:p>
@@ -3592,7 +3592,7 @@
             <a:fld id="{A22FE722-38C7-4231-8BB5-7A27D4E5977D}" type="datetimeFigureOut">
               <a:rPr lang="ko-KR" altLang="en-US" smtClean="0"/>
               <a:pPr/>
-              <a:t>2018-09-25</a:t>
+              <a:t>2018-09-27</a:t>
             </a:fld>
             <a:endParaRPr lang="ko-KR" altLang="en-US"/>
           </a:p>
@@ -3841,7 +3841,7 @@
             <a:fld id="{A22FE722-38C7-4231-8BB5-7A27D4E5977D}" type="datetimeFigureOut">
               <a:rPr lang="ko-KR" altLang="en-US" smtClean="0"/>
               <a:pPr/>
-              <a:t>2018-09-25</a:t>
+              <a:t>2018-09-27</a:t>
             </a:fld>
             <a:endParaRPr lang="ko-KR" altLang="en-US"/>
           </a:p>
@@ -4049,7 +4049,7 @@
             <a:fld id="{A22FE722-38C7-4231-8BB5-7A27D4E5977D}" type="datetimeFigureOut">
               <a:rPr lang="ko-KR" altLang="en-US" smtClean="0"/>
               <a:pPr/>
-              <a:t>2018-09-25</a:t>
+              <a:t>2018-09-27</a:t>
             </a:fld>
             <a:endParaRPr lang="ko-KR" altLang="en-US"/>
           </a:p>
@@ -6138,10 +6138,10 @@
         </p:nvGrpSpPr>
         <p:grpSpPr>
           <a:xfrm>
-            <a:off x="323528" y="2079945"/>
-            <a:ext cx="8309035" cy="4013351"/>
-            <a:chOff x="978598" y="2182967"/>
-            <a:chExt cx="8309035" cy="4013351"/>
+            <a:off x="-180528" y="2098577"/>
+            <a:ext cx="8309035" cy="3994719"/>
+            <a:chOff x="978598" y="2201599"/>
+            <a:chExt cx="8309035" cy="3994719"/>
           </a:xfrm>
         </p:grpSpPr>
         <p:grpSp>
@@ -6158,10 +6158,10 @@
           </p:nvGrpSpPr>
           <p:grpSpPr>
             <a:xfrm>
-              <a:off x="2492029" y="2182967"/>
-              <a:ext cx="6795604" cy="4013351"/>
-              <a:chOff x="2567822" y="2182967"/>
-              <a:chExt cx="5904229" cy="4013351"/>
+              <a:off x="2492030" y="2201599"/>
+              <a:ext cx="6795603" cy="3994719"/>
+              <a:chOff x="2567823" y="2201599"/>
+              <a:chExt cx="5904228" cy="3994719"/>
             </a:xfrm>
             <a:noFill/>
           </p:grpSpPr>
@@ -6179,8 +6179,8 @@
             </p:nvSpPr>
             <p:spPr>
               <a:xfrm>
-                <a:off x="6738840" y="3294634"/>
-                <a:ext cx="1080120" cy="369332"/>
+                <a:off x="6825189" y="3294336"/>
+                <a:ext cx="1080120" cy="646331"/>
               </a:xfrm>
               <a:prstGeom prst="rect">
                 <a:avLst/>
@@ -6206,7 +6206,7 @@
                     <a:latin typeface="+mn-ea"/>
                     <a:cs typeface="Arial" panose="020B0604020202020204" pitchFamily="34" charset="0"/>
                   </a:rPr>
-                  <a:t>User</a:t>
+                  <a:t>Web Browser</a:t>
                 </a:r>
                 <a:endParaRPr lang="ko-KR" altLang="en-US" b="1" dirty="0">
                   <a:effectLst>
@@ -6539,7 +6539,7 @@
             </p:nvSpPr>
             <p:spPr>
               <a:xfrm>
-                <a:off x="5014524" y="2182967"/>
+                <a:off x="5200529" y="2201599"/>
                 <a:ext cx="1864545" cy="276999"/>
               </a:xfrm>
               <a:prstGeom prst="rect">
@@ -6576,9 +6576,9 @@
               <p:nvPr/>
             </p:nvCxnSpPr>
             <p:spPr>
-              <a:xfrm flipH="1">
-                <a:off x="5344167" y="2917713"/>
-                <a:ext cx="1291778" cy="0"/>
+              <a:xfrm flipH="1" flipV="1">
+                <a:off x="5344168" y="2917713"/>
+                <a:ext cx="1578160" cy="3480"/>
               </a:xfrm>
               <a:prstGeom prst="line">
                 <a:avLst/>
@@ -6624,8 +6624,8 @@
             </p:nvCxnSpPr>
             <p:spPr>
               <a:xfrm flipH="1">
-                <a:off x="2567822" y="3011464"/>
-                <a:ext cx="1250158" cy="0"/>
+                <a:off x="2567823" y="3011464"/>
+                <a:ext cx="1408193" cy="0"/>
               </a:xfrm>
               <a:prstGeom prst="line">
                 <a:avLst/>
@@ -6773,7 +6773,7 @@
           </p:nvSpPr>
           <p:spPr>
             <a:xfrm>
-              <a:off x="978598" y="3369075"/>
+              <a:off x="978598" y="3373694"/>
               <a:ext cx="1896459" cy="461665"/>
             </a:xfrm>
             <a:prstGeom prst="rect">
@@ -6804,48 +6804,6 @@
           </p:txBody>
         </p:sp>
       </p:grpSp>
-      <p:cxnSp>
-        <p:nvCxnSpPr>
-          <p:cNvPr id="74" name="직선 연결선 73">
-            <a:extLst>
-              <a:ext uri="{FF2B5EF4-FFF2-40B4-BE49-F238E27FC236}">
-                <a16:creationId xmlns:a16="http://schemas.microsoft.com/office/drawing/2014/main" id="{F06864CF-9702-49A0-B69D-301058B3CEE3}"/>
-              </a:ext>
-            </a:extLst>
-          </p:cNvPr>
-          <p:cNvCxnSpPr>
-            <a:cxnSpLocks/>
-          </p:cNvCxnSpPr>
-          <p:nvPr/>
-        </p:nvCxnSpPr>
-        <p:spPr>
-          <a:xfrm flipH="1">
-            <a:off x="7400922" y="5272358"/>
-            <a:ext cx="376090" cy="0"/>
-          </a:xfrm>
-          <a:prstGeom prst="line">
-            <a:avLst/>
-          </a:prstGeom>
-          <a:noFill/>
-          <a:ln w="38100">
-            <a:prstDash val="sysDot"/>
-          </a:ln>
-        </p:spPr>
-        <p:style>
-          <a:lnRef idx="1">
-            <a:schemeClr val="accent1"/>
-          </a:lnRef>
-          <a:fillRef idx="0">
-            <a:schemeClr val="accent1"/>
-          </a:fillRef>
-          <a:effectRef idx="0">
-            <a:schemeClr val="accent1"/>
-          </a:effectRef>
-          <a:fontRef idx="minor">
-            <a:schemeClr val="tx1"/>
-          </a:fontRef>
-        </p:style>
-      </p:cxnSp>
       <p:pic>
         <p:nvPicPr>
           <p:cNvPr id="76" name="Picture 8" descr="user ico에 대한 이미지 검색결과">
@@ -6875,7 +6833,7 @@
         </p:blipFill>
         <p:spPr bwMode="auto">
           <a:xfrm>
-            <a:off x="6854610" y="2311458"/>
+            <a:off x="6490521" y="2309526"/>
             <a:ext cx="809339" cy="809339"/>
           </a:xfrm>
           <a:prstGeom prst="rect">
@@ -6922,7 +6880,7 @@
         </p:blipFill>
         <p:spPr bwMode="auto">
           <a:xfrm>
-            <a:off x="3624488" y="1474423"/>
+            <a:off x="3131840" y="1474423"/>
             <a:ext cx="1130401" cy="1130401"/>
           </a:xfrm>
           <a:prstGeom prst="rect">
@@ -6969,7 +6927,7 @@
         </p:blipFill>
         <p:spPr bwMode="auto">
           <a:xfrm>
-            <a:off x="3624488" y="2340740"/>
+            <a:off x="3131840" y="2340740"/>
             <a:ext cx="1129553" cy="1129553"/>
           </a:xfrm>
           <a:prstGeom prst="rect">
@@ -7106,7 +7064,7 @@
         </p:nvSpPr>
         <p:spPr>
           <a:xfrm>
-            <a:off x="4653048" y="2896876"/>
+            <a:off x="4407096" y="2925044"/>
             <a:ext cx="2146039" cy="276999"/>
           </a:xfrm>
           <a:prstGeom prst="rect">
@@ -7142,8 +7100,8 @@
         </p:nvSpPr>
         <p:spPr>
           <a:xfrm>
-            <a:off x="4653047" y="2439128"/>
-            <a:ext cx="2146039" cy="276999"/>
+            <a:off x="4111989" y="2429393"/>
+            <a:ext cx="2655257" cy="276999"/>
           </a:xfrm>
           <a:prstGeom prst="rect">
             <a:avLst/>
@@ -7159,7 +7117,7 @@
             <a:pPr algn="ctr"/>
             <a:r>
               <a:rPr lang="en-US" altLang="ko-KR" sz="1200" b="1" dirty="0"/>
-              <a:t>Response: Html</a:t>
+              <a:t>Response: blog/show_seat.html</a:t>
             </a:r>
           </a:p>
         </p:txBody>
@@ -7178,7 +7136,7 @@
         </p:nvSpPr>
         <p:spPr>
           <a:xfrm>
-            <a:off x="3736255" y="4258325"/>
+            <a:off x="3253847" y="4258325"/>
             <a:ext cx="2146039" cy="276999"/>
           </a:xfrm>
           <a:prstGeom prst="rect">
@@ -7216,7 +7174,7 @@
         </p:nvCxnSpPr>
         <p:spPr>
           <a:xfrm flipV="1">
-            <a:off x="4171772" y="4152097"/>
+            <a:off x="3689364" y="4152097"/>
             <a:ext cx="0" cy="495746"/>
           </a:xfrm>
           <a:prstGeom prst="straightConnector1">
@@ -7243,6 +7201,167 @@
           </a:fontRef>
         </p:style>
       </p:cxnSp>
+      <p:sp>
+        <p:nvSpPr>
+          <p:cNvPr id="3" name="TextBox 2">
+            <a:extLst>
+              <a:ext uri="{FF2B5EF4-FFF2-40B4-BE49-F238E27FC236}">
+                <a16:creationId xmlns:a16="http://schemas.microsoft.com/office/drawing/2014/main" id="{3C23A0B4-4B65-4F4F-A315-AD1B98A917B9}"/>
+              </a:ext>
+            </a:extLst>
+          </p:cNvPr>
+          <p:cNvSpPr txBox="1"/>
+          <p:nvPr/>
+        </p:nvSpPr>
+        <p:spPr>
+          <a:xfrm>
+            <a:off x="3762695" y="4469274"/>
+            <a:ext cx="2609505" cy="276999"/>
+          </a:xfrm>
+          <a:prstGeom prst="rect">
+            <a:avLst/>
+          </a:prstGeom>
+          <a:noFill/>
+        </p:spPr>
+        <p:txBody>
+          <a:bodyPr wrap="square" rtlCol="0">
+            <a:spAutoFit/>
+          </a:bodyPr>
+          <a:lstStyle/>
+          <a:p>
+            <a:r>
+              <a:rPr lang="en-US" altLang="ko-KR" sz="1200" b="1" dirty="0"/>
+              <a:t>Data Type: Dictionary(string)</a:t>
+            </a:r>
+            <a:endParaRPr lang="ko-KR" altLang="en-US" sz="1200" b="1" dirty="0"/>
+          </a:p>
+        </p:txBody>
+      </p:sp>
+      <p:pic>
+        <p:nvPicPr>
+          <p:cNvPr id="88" name="Picture 8" descr="user ico에 대한 이미지 검색결과">
+            <a:extLst>
+              <a:ext uri="{FF2B5EF4-FFF2-40B4-BE49-F238E27FC236}">
+                <a16:creationId xmlns:a16="http://schemas.microsoft.com/office/drawing/2014/main" id="{62CFE64E-18DC-492F-B0D9-41DA5370A514}"/>
+              </a:ext>
+            </a:extLst>
+          </p:cNvPr>
+          <p:cNvPicPr>
+            <a:picLocks noChangeAspect="1" noChangeArrowheads="1"/>
+          </p:cNvPicPr>
+          <p:nvPr/>
+        </p:nvPicPr>
+        <p:blipFill>
+          <a:blip r:embed="rId7" cstate="print">
+            <a:extLst>
+              <a:ext uri="{28A0092B-C50C-407E-A947-70E740481C1C}">
+                <a14:useLocalDpi xmlns:a14="http://schemas.microsoft.com/office/drawing/2010/main" val="0"/>
+              </a:ext>
+            </a:extLst>
+          </a:blip>
+          <a:srcRect/>
+          <a:stretch>
+            <a:fillRect/>
+          </a:stretch>
+        </p:blipFill>
+        <p:spPr bwMode="auto">
+          <a:xfrm>
+            <a:off x="8297739" y="4535324"/>
+            <a:ext cx="809339" cy="809339"/>
+          </a:xfrm>
+          <a:prstGeom prst="rect">
+            <a:avLst/>
+          </a:prstGeom>
+          <a:noFill/>
+          <a:extLst>
+            <a:ext uri="{909E8E84-426E-40DD-AFC4-6F175D3DCCD1}">
+              <a14:hiddenFill xmlns:a14="http://schemas.microsoft.com/office/drawing/2010/main">
+                <a:solidFill>
+                  <a:srgbClr val="FFFFFF"/>
+                </a:solidFill>
+              </a14:hiddenFill>
+            </a:ext>
+          </a:extLst>
+        </p:spPr>
+      </p:pic>
+      <p:sp>
+        <p:nvSpPr>
+          <p:cNvPr id="9" name="TextBox 8">
+            <a:extLst>
+              <a:ext uri="{FF2B5EF4-FFF2-40B4-BE49-F238E27FC236}">
+                <a16:creationId xmlns:a16="http://schemas.microsoft.com/office/drawing/2014/main" id="{BD5E1AED-2A9C-4A3E-A814-C9FA4B58620D}"/>
+              </a:ext>
+            </a:extLst>
+          </p:cNvPr>
+          <p:cNvSpPr txBox="1"/>
+          <p:nvPr/>
+        </p:nvSpPr>
+        <p:spPr>
+          <a:xfrm>
+            <a:off x="8208406" y="5309586"/>
+            <a:ext cx="1116122" cy="646331"/>
+          </a:xfrm>
+          <a:prstGeom prst="rect">
+            <a:avLst/>
+          </a:prstGeom>
+          <a:noFill/>
+        </p:spPr>
+        <p:txBody>
+          <a:bodyPr wrap="square" rtlCol="0">
+            <a:spAutoFit/>
+          </a:bodyPr>
+          <a:lstStyle/>
+          <a:p>
+            <a:r>
+              <a:rPr lang="en-US" altLang="ko-KR" b="1" dirty="0"/>
+              <a:t>Library</a:t>
+            </a:r>
+          </a:p>
+          <a:p>
+            <a:r>
+              <a:rPr lang="en-US" altLang="ko-KR" b="1" dirty="0"/>
+              <a:t>  User</a:t>
+            </a:r>
+            <a:endParaRPr lang="ko-KR" altLang="en-US" b="1" dirty="0"/>
+          </a:p>
+        </p:txBody>
+      </p:sp>
+      <p:pic>
+        <p:nvPicPr>
+          <p:cNvPr id="89" name="그림 88">
+            <a:extLst>
+              <a:ext uri="{FF2B5EF4-FFF2-40B4-BE49-F238E27FC236}">
+                <a16:creationId xmlns:a16="http://schemas.microsoft.com/office/drawing/2014/main" id="{C2328821-74E8-4ABE-BD20-32FD95DFE515}"/>
+              </a:ext>
+            </a:extLst>
+          </p:cNvPr>
+          <p:cNvPicPr>
+            <a:picLocks noChangeAspect="1"/>
+          </p:cNvPicPr>
+          <p:nvPr/>
+        </p:nvPicPr>
+        <p:blipFill>
+          <a:blip r:embed="rId10" cstate="print">
+            <a:extLst>
+              <a:ext uri="{28A0092B-C50C-407E-A947-70E740481C1C}">
+                <a14:useLocalDpi xmlns:a14="http://schemas.microsoft.com/office/drawing/2010/main" val="0"/>
+              </a:ext>
+            </a:extLst>
+          </a:blip>
+          <a:stretch>
+            <a:fillRect/>
+          </a:stretch>
+        </p:blipFill>
+        <p:spPr>
+          <a:xfrm rot="5400000">
+            <a:off x="7984165" y="4948448"/>
+            <a:ext cx="310242" cy="355414"/>
+          </a:xfrm>
+          <a:prstGeom prst="rect">
+            <a:avLst/>
+          </a:prstGeom>
+        </p:spPr>
+      </p:pic>
     </p:spTree>
     <p:extLst>
       <p:ext uri="{BB962C8B-B14F-4D97-AF65-F5344CB8AC3E}">
